--- a/lru/白盒路径覆盖.pptx
+++ b/lru/白盒路径覆盖.pptx
@@ -5,14 +5,16 @@
     <p:sldMasterId id="2147483648" r:id="rId1"/>
   </p:sldMasterIdLst>
   <p:notesMasterIdLst>
-    <p:notesMasterId r:id="rId5"/>
+    <p:notesMasterId r:id="rId7"/>
   </p:notesMasterIdLst>
   <p:handoutMasterIdLst>
-    <p:handoutMasterId r:id="rId6"/>
+    <p:handoutMasterId r:id="rId8"/>
   </p:handoutMasterIdLst>
   <p:sldIdLst>
     <p:sldId id="257" r:id="rId3"/>
     <p:sldId id="258" r:id="rId4"/>
+    <p:sldId id="260" r:id="rId5"/>
+    <p:sldId id="259" r:id="rId6"/>
   </p:sldIdLst>
   <p:sldSz cx="12192000" cy="6858000"/>
   <p:notesSz cx="7103745" cy="10234295"/>
@@ -4394,6 +4396,2523 @@
           </a:p>
         </p:txBody>
       </p:sp>
+    </p:spTree>
+  </p:cSld>
+  <p:clrMapOvr>
+    <a:masterClrMapping/>
+  </p:clrMapOvr>
+</p:sld>
+</file>
+
+<file path=ppt/slides/slide3.xml><?xml version="1.0" encoding="utf-8"?>
+<p:sld xmlns:a="http://schemas.openxmlformats.org/drawingml/2006/main" xmlns:r="http://schemas.openxmlformats.org/officeDocument/2006/relationships" xmlns:p="http://schemas.openxmlformats.org/presentationml/2006/main">
+  <p:cSld>
+    <p:spTree>
+      <p:nvGrpSpPr>
+        <p:cNvPr id="1" name=""/>
+        <p:cNvGrpSpPr/>
+        <p:nvPr/>
+      </p:nvGrpSpPr>
+      <p:grpSpPr/>
+      <p:sp>
+        <p:nvSpPr>
+          <p:cNvPr id="8" name="椭圆 7"/>
+          <p:cNvSpPr/>
+          <p:nvPr/>
+        </p:nvSpPr>
+        <p:spPr>
+          <a:xfrm>
+            <a:off x="2383155" y="1655445"/>
+            <a:ext cx="5628640" cy="1901190"/>
+          </a:xfrm>
+          <a:prstGeom prst="ellipse">
+            <a:avLst/>
+          </a:prstGeom>
+        </p:spPr>
+        <p:style>
+          <a:lnRef idx="2">
+            <a:schemeClr val="accent3">
+              <a:shade val="50000"/>
+            </a:schemeClr>
+          </a:lnRef>
+          <a:fillRef idx="1">
+            <a:schemeClr val="accent3"/>
+          </a:fillRef>
+          <a:effectRef idx="0">
+            <a:schemeClr val="accent3"/>
+          </a:effectRef>
+          <a:fontRef idx="minor">
+            <a:schemeClr val="lt1"/>
+          </a:fontRef>
+        </p:style>
+        <p:txBody>
+          <a:bodyPr rtlCol="0" anchor="ctr"/>
+          <a:p>
+            <a:pPr algn="ctr"/>
+            <a:endParaRPr lang="zh-CN" altLang="en-US"/>
+          </a:p>
+        </p:txBody>
+      </p:sp>
+      <p:sp>
+        <p:nvSpPr>
+          <p:cNvPr id="2" name="标题 1"/>
+          <p:cNvSpPr>
+            <a:spLocks noGrp="1"/>
+          </p:cNvSpPr>
+          <p:nvPr>
+            <p:ph type="title"/>
+          </p:nvPr>
+        </p:nvSpPr>
+        <p:spPr/>
+        <p:txBody>
+          <a:bodyPr/>
+          <a:p>
+            <a:r>
+              <a:rPr lang="en-US" altLang="zh-CN"/>
+              <a:t>LRU</a:t>
+            </a:r>
+            <a:r>
+              <a:rPr lang="zh-CN" altLang="en-US"/>
+              <a:t>数据结构</a:t>
+            </a:r>
+            <a:endParaRPr lang="zh-CN" altLang="en-US"/>
+          </a:p>
+        </p:txBody>
+      </p:sp>
+      <p:sp>
+        <p:nvSpPr>
+          <p:cNvPr id="53" name="矩形 52"/>
+          <p:cNvSpPr/>
+          <p:nvPr/>
+        </p:nvSpPr>
+        <p:spPr>
+          <a:xfrm>
+            <a:off x="1576705" y="4187190"/>
+            <a:ext cx="932815" cy="632460"/>
+          </a:xfrm>
+          <a:prstGeom prst="rect">
+            <a:avLst/>
+          </a:prstGeom>
+        </p:spPr>
+        <p:style>
+          <a:lnRef idx="2">
+            <a:schemeClr val="accent1">
+              <a:shade val="50000"/>
+            </a:schemeClr>
+          </a:lnRef>
+          <a:fillRef idx="1">
+            <a:schemeClr val="accent1"/>
+          </a:fillRef>
+          <a:effectRef idx="0">
+            <a:schemeClr val="accent1"/>
+          </a:effectRef>
+          <a:fontRef idx="minor">
+            <a:schemeClr val="lt1"/>
+          </a:fontRef>
+        </p:style>
+        <p:txBody>
+          <a:bodyPr rtlCol="0" anchor="ctr"/>
+          <a:p>
+            <a:pPr algn="ctr"/>
+            <a:r>
+              <a:rPr lang="en-US" altLang="zh-CN"/>
+              <a:t>head</a:t>
+            </a:r>
+            <a:endParaRPr lang="en-US" altLang="zh-CN"/>
+          </a:p>
+        </p:txBody>
+      </p:sp>
+      <p:sp>
+        <p:nvSpPr>
+          <p:cNvPr id="54" name="矩形 53"/>
+          <p:cNvSpPr/>
+          <p:nvPr/>
+        </p:nvSpPr>
+        <p:spPr>
+          <a:xfrm>
+            <a:off x="7901305" y="4182745"/>
+            <a:ext cx="932815" cy="632460"/>
+          </a:xfrm>
+          <a:prstGeom prst="rect">
+            <a:avLst/>
+          </a:prstGeom>
+        </p:spPr>
+        <p:style>
+          <a:lnRef idx="2">
+            <a:schemeClr val="accent1">
+              <a:shade val="50000"/>
+            </a:schemeClr>
+          </a:lnRef>
+          <a:fillRef idx="1">
+            <a:schemeClr val="accent1"/>
+          </a:fillRef>
+          <a:effectRef idx="0">
+            <a:schemeClr val="accent1"/>
+          </a:effectRef>
+          <a:fontRef idx="minor">
+            <a:schemeClr val="lt1"/>
+          </a:fontRef>
+        </p:style>
+        <p:txBody>
+          <a:bodyPr rtlCol="0" anchor="ctr"/>
+          <a:p>
+            <a:pPr algn="ctr"/>
+            <a:r>
+              <a:rPr lang="en-US" altLang="zh-CN"/>
+              <a:t>end</a:t>
+            </a:r>
+            <a:endParaRPr lang="en-US" altLang="zh-CN"/>
+          </a:p>
+        </p:txBody>
+      </p:sp>
+      <p:cxnSp>
+        <p:nvCxnSpPr>
+          <p:cNvPr id="55" name="直接箭头连接符 54"/>
+          <p:cNvCxnSpPr/>
+          <p:nvPr/>
+        </p:nvCxnSpPr>
+        <p:spPr>
+          <a:xfrm>
+            <a:off x="2503805" y="4341495"/>
+            <a:ext cx="709295" cy="15240"/>
+          </a:xfrm>
+          <a:prstGeom prst="straightConnector1">
+            <a:avLst/>
+          </a:prstGeom>
+          <a:ln w="50800">
+            <a:tailEnd type="arrow" w="med" len="med"/>
+          </a:ln>
+        </p:spPr>
+        <p:style>
+          <a:lnRef idx="3">
+            <a:schemeClr val="accent2"/>
+          </a:lnRef>
+          <a:fillRef idx="0">
+            <a:schemeClr val="accent2"/>
+          </a:fillRef>
+          <a:effectRef idx="2">
+            <a:schemeClr val="accent2"/>
+          </a:effectRef>
+          <a:fontRef idx="minor">
+            <a:schemeClr val="tx1"/>
+          </a:fontRef>
+        </p:style>
+      </p:cxnSp>
+      <p:sp>
+        <p:nvSpPr>
+          <p:cNvPr id="56" name="矩形 55"/>
+          <p:cNvSpPr/>
+          <p:nvPr/>
+        </p:nvSpPr>
+        <p:spPr>
+          <a:xfrm>
+            <a:off x="3197225" y="4187190"/>
+            <a:ext cx="1586230" cy="628015"/>
+          </a:xfrm>
+          <a:prstGeom prst="rect">
+            <a:avLst/>
+          </a:prstGeom>
+          <a:gradFill>
+            <a:gsLst>
+              <a:gs pos="0">
+                <a:srgbClr val="7B32B2"/>
+              </a:gs>
+              <a:gs pos="100000">
+                <a:srgbClr val="401A5D"/>
+              </a:gs>
+            </a:gsLst>
+            <a:lin ang="5400000" scaled="0"/>
+          </a:gradFill>
+          <a:ln>
+            <a:solidFill>
+              <a:srgbClr val="FF0000"/>
+            </a:solidFill>
+          </a:ln>
+        </p:spPr>
+        <p:style>
+          <a:lnRef idx="2">
+            <a:schemeClr val="accent1">
+              <a:shade val="50000"/>
+            </a:schemeClr>
+          </a:lnRef>
+          <a:fillRef idx="1">
+            <a:schemeClr val="accent1"/>
+          </a:fillRef>
+          <a:effectRef idx="0">
+            <a:schemeClr val="accent1"/>
+          </a:effectRef>
+          <a:fontRef idx="minor">
+            <a:schemeClr val="lt1"/>
+          </a:fontRef>
+        </p:style>
+        <p:txBody>
+          <a:bodyPr rtlCol="0" anchor="ctr"/>
+          <a:p>
+            <a:pPr algn="ctr"/>
+            <a:r>
+              <a:rPr lang="en-US" altLang="zh-CN"/>
+              <a:t>(key,value)</a:t>
+            </a:r>
+            <a:endParaRPr lang="en-US" altLang="zh-CN"/>
+          </a:p>
+        </p:txBody>
+      </p:sp>
+      <p:cxnSp>
+        <p:nvCxnSpPr>
+          <p:cNvPr id="57" name="直接箭头连接符 56"/>
+          <p:cNvCxnSpPr>
+            <a:stCxn id="56" idx="3"/>
+            <a:endCxn id="58" idx="1"/>
+          </p:cNvCxnSpPr>
+          <p:nvPr/>
+        </p:nvCxnSpPr>
+        <p:spPr>
+          <a:xfrm>
+            <a:off x="4783455" y="4501515"/>
+            <a:ext cx="688340" cy="1905"/>
+          </a:xfrm>
+          <a:prstGeom prst="straightConnector1">
+            <a:avLst/>
+          </a:prstGeom>
+          <a:ln w="50800">
+            <a:tailEnd type="arrow" w="med" len="med"/>
+          </a:ln>
+        </p:spPr>
+        <p:style>
+          <a:lnRef idx="3">
+            <a:schemeClr val="accent2"/>
+          </a:lnRef>
+          <a:fillRef idx="0">
+            <a:schemeClr val="accent2"/>
+          </a:fillRef>
+          <a:effectRef idx="2">
+            <a:schemeClr val="accent2"/>
+          </a:effectRef>
+          <a:fontRef idx="minor">
+            <a:schemeClr val="tx1"/>
+          </a:fontRef>
+        </p:style>
+      </p:cxnSp>
+      <p:sp>
+        <p:nvSpPr>
+          <p:cNvPr id="58" name="矩形 57"/>
+          <p:cNvSpPr/>
+          <p:nvPr/>
+        </p:nvSpPr>
+        <p:spPr>
+          <a:xfrm>
+            <a:off x="5471795" y="4187190"/>
+            <a:ext cx="1535430" cy="632460"/>
+          </a:xfrm>
+          <a:prstGeom prst="rect">
+            <a:avLst/>
+          </a:prstGeom>
+          <a:gradFill>
+            <a:gsLst>
+              <a:gs pos="0">
+                <a:srgbClr val="7B32B2"/>
+              </a:gs>
+              <a:gs pos="100000">
+                <a:srgbClr val="401A5D"/>
+              </a:gs>
+            </a:gsLst>
+            <a:lin ang="5400000" scaled="0"/>
+          </a:gradFill>
+          <a:ln>
+            <a:solidFill>
+              <a:srgbClr val="FF0000"/>
+            </a:solidFill>
+          </a:ln>
+        </p:spPr>
+        <p:style>
+          <a:lnRef idx="2">
+            <a:schemeClr val="accent1">
+              <a:shade val="50000"/>
+            </a:schemeClr>
+          </a:lnRef>
+          <a:fillRef idx="1">
+            <a:schemeClr val="accent1"/>
+          </a:fillRef>
+          <a:effectRef idx="0">
+            <a:schemeClr val="accent1"/>
+          </a:effectRef>
+          <a:fontRef idx="minor">
+            <a:schemeClr val="lt1"/>
+          </a:fontRef>
+        </p:style>
+        <p:txBody>
+          <a:bodyPr rtlCol="0" anchor="ctr"/>
+          <a:p>
+            <a:pPr algn="ctr"/>
+            <a:r>
+              <a:rPr lang="en-US" altLang="zh-CN"/>
+              <a:t>(key,value)</a:t>
+            </a:r>
+            <a:endParaRPr lang="en-US" altLang="zh-CN"/>
+          </a:p>
+        </p:txBody>
+      </p:sp>
+      <p:cxnSp>
+        <p:nvCxnSpPr>
+          <p:cNvPr id="59" name="直接箭头连接符 58"/>
+          <p:cNvCxnSpPr>
+            <a:stCxn id="58" idx="3"/>
+          </p:cNvCxnSpPr>
+          <p:nvPr/>
+        </p:nvCxnSpPr>
+        <p:spPr>
+          <a:xfrm>
+            <a:off x="7007225" y="4503420"/>
+            <a:ext cx="894080" cy="5080"/>
+          </a:xfrm>
+          <a:prstGeom prst="straightConnector1">
+            <a:avLst/>
+          </a:prstGeom>
+          <a:ln w="50800">
+            <a:tailEnd type="arrow" w="med" len="med"/>
+          </a:ln>
+        </p:spPr>
+        <p:style>
+          <a:lnRef idx="3">
+            <a:schemeClr val="accent2"/>
+          </a:lnRef>
+          <a:fillRef idx="0">
+            <a:schemeClr val="accent2"/>
+          </a:fillRef>
+          <a:effectRef idx="2">
+            <a:schemeClr val="accent2"/>
+          </a:effectRef>
+          <a:fontRef idx="minor">
+            <a:schemeClr val="tx1"/>
+          </a:fontRef>
+        </p:style>
+      </p:cxnSp>
+      <p:sp>
+        <p:nvSpPr>
+          <p:cNvPr id="4" name="矩形 3"/>
+          <p:cNvSpPr/>
+          <p:nvPr/>
+        </p:nvSpPr>
+        <p:spPr>
+          <a:xfrm>
+            <a:off x="3523615" y="2277110"/>
+            <a:ext cx="932815" cy="632460"/>
+          </a:xfrm>
+          <a:prstGeom prst="rect">
+            <a:avLst/>
+          </a:prstGeom>
+        </p:spPr>
+        <p:style>
+          <a:lnRef idx="2">
+            <a:schemeClr val="accent1">
+              <a:shade val="50000"/>
+            </a:schemeClr>
+          </a:lnRef>
+          <a:fillRef idx="1">
+            <a:schemeClr val="accent1"/>
+          </a:fillRef>
+          <a:effectRef idx="0">
+            <a:schemeClr val="accent1"/>
+          </a:effectRef>
+          <a:fontRef idx="minor">
+            <a:schemeClr val="lt1"/>
+          </a:fontRef>
+        </p:style>
+        <p:txBody>
+          <a:bodyPr rtlCol="0" anchor="ctr"/>
+          <a:p>
+            <a:pPr algn="ctr"/>
+            <a:r>
+              <a:rPr lang="en-US" altLang="zh-CN"/>
+              <a:t>key</a:t>
+            </a:r>
+            <a:endParaRPr lang="en-US" altLang="zh-CN"/>
+          </a:p>
+        </p:txBody>
+      </p:sp>
+      <p:sp>
+        <p:nvSpPr>
+          <p:cNvPr id="5" name="矩形 4"/>
+          <p:cNvSpPr/>
+          <p:nvPr/>
+        </p:nvSpPr>
+        <p:spPr>
+          <a:xfrm>
+            <a:off x="5146675" y="2277110"/>
+            <a:ext cx="932815" cy="632460"/>
+          </a:xfrm>
+          <a:prstGeom prst="rect">
+            <a:avLst/>
+          </a:prstGeom>
+        </p:spPr>
+        <p:style>
+          <a:lnRef idx="2">
+            <a:schemeClr val="accent1">
+              <a:shade val="50000"/>
+            </a:schemeClr>
+          </a:lnRef>
+          <a:fillRef idx="1">
+            <a:schemeClr val="accent1"/>
+          </a:fillRef>
+          <a:effectRef idx="0">
+            <a:schemeClr val="accent1"/>
+          </a:effectRef>
+          <a:fontRef idx="minor">
+            <a:schemeClr val="lt1"/>
+          </a:fontRef>
+        </p:style>
+        <p:txBody>
+          <a:bodyPr rtlCol="0" anchor="ctr"/>
+          <a:p>
+            <a:pPr algn="ctr"/>
+            <a:r>
+              <a:rPr lang="en-US" altLang="zh-CN"/>
+              <a:t>key</a:t>
+            </a:r>
+            <a:endParaRPr lang="en-US" altLang="zh-CN"/>
+          </a:p>
+        </p:txBody>
+      </p:sp>
+      <p:cxnSp>
+        <p:nvCxnSpPr>
+          <p:cNvPr id="6" name="直接箭头连接符 5"/>
+          <p:cNvCxnSpPr/>
+          <p:nvPr/>
+        </p:nvCxnSpPr>
+        <p:spPr>
+          <a:xfrm flipH="1">
+            <a:off x="2519045" y="4627880"/>
+            <a:ext cx="709295" cy="15240"/>
+          </a:xfrm>
+          <a:prstGeom prst="straightConnector1">
+            <a:avLst/>
+          </a:prstGeom>
+          <a:ln w="50800">
+            <a:tailEnd type="arrow" w="med" len="med"/>
+          </a:ln>
+        </p:spPr>
+        <p:style>
+          <a:lnRef idx="3">
+            <a:schemeClr val="accent2"/>
+          </a:lnRef>
+          <a:fillRef idx="0">
+            <a:schemeClr val="accent2"/>
+          </a:fillRef>
+          <a:effectRef idx="2">
+            <a:schemeClr val="accent2"/>
+          </a:effectRef>
+          <a:fontRef idx="minor">
+            <a:schemeClr val="tx1"/>
+          </a:fontRef>
+        </p:style>
+      </p:cxnSp>
+      <p:cxnSp>
+        <p:nvCxnSpPr>
+          <p:cNvPr id="7" name="直接箭头连接符 6"/>
+          <p:cNvCxnSpPr/>
+          <p:nvPr/>
+        </p:nvCxnSpPr>
+        <p:spPr>
+          <a:xfrm flipH="1">
+            <a:off x="4737100" y="4673600"/>
+            <a:ext cx="664210" cy="0"/>
+          </a:xfrm>
+          <a:prstGeom prst="straightConnector1">
+            <a:avLst/>
+          </a:prstGeom>
+          <a:ln w="50800">
+            <a:tailEnd type="arrow" w="med" len="med"/>
+          </a:ln>
+        </p:spPr>
+        <p:style>
+          <a:lnRef idx="3">
+            <a:schemeClr val="accent2"/>
+          </a:lnRef>
+          <a:fillRef idx="0">
+            <a:schemeClr val="accent2"/>
+          </a:fillRef>
+          <a:effectRef idx="2">
+            <a:schemeClr val="accent2"/>
+          </a:effectRef>
+          <a:fontRef idx="minor">
+            <a:schemeClr val="tx1"/>
+          </a:fontRef>
+        </p:style>
+      </p:cxnSp>
+      <p:cxnSp>
+        <p:nvCxnSpPr>
+          <p:cNvPr id="9" name="直接箭头连接符 8"/>
+          <p:cNvCxnSpPr/>
+          <p:nvPr/>
+        </p:nvCxnSpPr>
+        <p:spPr>
+          <a:xfrm flipH="1">
+            <a:off x="7030720" y="4673600"/>
+            <a:ext cx="981075" cy="14605"/>
+          </a:xfrm>
+          <a:prstGeom prst="straightConnector1">
+            <a:avLst/>
+          </a:prstGeom>
+          <a:ln w="50800">
+            <a:tailEnd type="arrow" w="med" len="med"/>
+          </a:ln>
+        </p:spPr>
+        <p:style>
+          <a:lnRef idx="3">
+            <a:schemeClr val="accent2"/>
+          </a:lnRef>
+          <a:fillRef idx="0">
+            <a:schemeClr val="accent2"/>
+          </a:fillRef>
+          <a:effectRef idx="2">
+            <a:schemeClr val="accent2"/>
+          </a:effectRef>
+          <a:fontRef idx="minor">
+            <a:schemeClr val="tx1"/>
+          </a:fontRef>
+        </p:style>
+      </p:cxnSp>
+      <p:cxnSp>
+        <p:nvCxnSpPr>
+          <p:cNvPr id="10" name="直接箭头连接符 9"/>
+          <p:cNvCxnSpPr>
+            <a:stCxn id="4" idx="2"/>
+            <a:endCxn id="56" idx="0"/>
+          </p:cNvCxnSpPr>
+          <p:nvPr/>
+        </p:nvCxnSpPr>
+        <p:spPr>
+          <a:xfrm>
+            <a:off x="3990340" y="2909570"/>
+            <a:ext cx="0" cy="1277620"/>
+          </a:xfrm>
+          <a:prstGeom prst="straightConnector1">
+            <a:avLst/>
+          </a:prstGeom>
+          <a:ln>
+            <a:tailEnd type="arrow" w="med" len="med"/>
+          </a:ln>
+        </p:spPr>
+        <p:style>
+          <a:lnRef idx="3">
+            <a:schemeClr val="accent6"/>
+          </a:lnRef>
+          <a:fillRef idx="0">
+            <a:schemeClr val="accent6"/>
+          </a:fillRef>
+          <a:effectRef idx="2">
+            <a:schemeClr val="accent6"/>
+          </a:effectRef>
+          <a:fontRef idx="minor">
+            <a:schemeClr val="tx1"/>
+          </a:fontRef>
+        </p:style>
+      </p:cxnSp>
+      <p:cxnSp>
+        <p:nvCxnSpPr>
+          <p:cNvPr id="11" name="直接箭头连接符 10"/>
+          <p:cNvCxnSpPr>
+            <a:stCxn id="5" idx="2"/>
+          </p:cNvCxnSpPr>
+          <p:nvPr/>
+        </p:nvCxnSpPr>
+        <p:spPr>
+          <a:xfrm>
+            <a:off x="5613400" y="2909570"/>
+            <a:ext cx="587375" cy="1386205"/>
+          </a:xfrm>
+          <a:prstGeom prst="straightConnector1">
+            <a:avLst/>
+          </a:prstGeom>
+          <a:ln>
+            <a:tailEnd type="arrow" w="med" len="med"/>
+          </a:ln>
+        </p:spPr>
+        <p:style>
+          <a:lnRef idx="3">
+            <a:schemeClr val="accent6"/>
+          </a:lnRef>
+          <a:fillRef idx="0">
+            <a:schemeClr val="accent6"/>
+          </a:fillRef>
+          <a:effectRef idx="2">
+            <a:schemeClr val="accent6"/>
+          </a:effectRef>
+          <a:fontRef idx="minor">
+            <a:schemeClr val="tx1"/>
+          </a:fontRef>
+        </p:style>
+      </p:cxnSp>
+      <p:sp>
+        <p:nvSpPr>
+          <p:cNvPr id="12" name="文本框 11"/>
+          <p:cNvSpPr txBox="1"/>
+          <p:nvPr/>
+        </p:nvSpPr>
+        <p:spPr>
+          <a:xfrm>
+            <a:off x="8720455" y="2319655"/>
+            <a:ext cx="2550160" cy="368300"/>
+          </a:xfrm>
+          <a:prstGeom prst="rect">
+            <a:avLst/>
+          </a:prstGeom>
+          <a:noFill/>
+        </p:spPr>
+        <p:txBody>
+          <a:bodyPr wrap="square" rtlCol="0">
+            <a:spAutoFit/>
+          </a:bodyPr>
+          <a:p>
+            <a:r>
+              <a:rPr lang="en-US" altLang="zh-CN"/>
+              <a:t>key</a:t>
+            </a:r>
+            <a:r>
+              <a:rPr lang="zh-CN" altLang="en-US"/>
+              <a:t>字典</a:t>
+            </a:r>
+            <a:endParaRPr lang="zh-CN" altLang="en-US"/>
+          </a:p>
+        </p:txBody>
+      </p:sp>
+      <p:sp>
+        <p:nvSpPr>
+          <p:cNvPr id="13" name="文本框 12"/>
+          <p:cNvSpPr txBox="1"/>
+          <p:nvPr/>
+        </p:nvSpPr>
+        <p:spPr>
+          <a:xfrm>
+            <a:off x="9179560" y="4446905"/>
+            <a:ext cx="2550160" cy="368300"/>
+          </a:xfrm>
+          <a:prstGeom prst="rect">
+            <a:avLst/>
+          </a:prstGeom>
+          <a:noFill/>
+        </p:spPr>
+        <p:txBody>
+          <a:bodyPr wrap="square" rtlCol="0">
+            <a:spAutoFit/>
+          </a:bodyPr>
+          <a:p>
+            <a:r>
+              <a:rPr lang="zh-CN"/>
+              <a:t>双向链表</a:t>
+            </a:r>
+            <a:endParaRPr lang="en-US" altLang="zh-CN"/>
+          </a:p>
+        </p:txBody>
+      </p:sp>
+    </p:spTree>
+  </p:cSld>
+  <p:clrMapOvr>
+    <a:masterClrMapping/>
+  </p:clrMapOvr>
+</p:sld>
+</file>
+
+<file path=ppt/slides/slide4.xml><?xml version="1.0" encoding="utf-8"?>
+<p:sld xmlns:a="http://schemas.openxmlformats.org/drawingml/2006/main" xmlns:r="http://schemas.openxmlformats.org/officeDocument/2006/relationships" xmlns:p="http://schemas.openxmlformats.org/presentationml/2006/main">
+  <p:cSld>
+    <p:spTree>
+      <p:nvGrpSpPr>
+        <p:cNvPr id="1" name=""/>
+        <p:cNvGrpSpPr/>
+        <p:nvPr/>
+      </p:nvGrpSpPr>
+      <p:grpSpPr/>
+      <p:sp>
+        <p:nvSpPr>
+          <p:cNvPr id="2" name="标题 1"/>
+          <p:cNvSpPr>
+            <a:spLocks noGrp="1"/>
+          </p:cNvSpPr>
+          <p:nvPr>
+            <p:ph type="title"/>
+          </p:nvPr>
+        </p:nvSpPr>
+        <p:spPr>
+          <a:xfrm>
+            <a:off x="173355" y="138430"/>
+            <a:ext cx="10515600" cy="798830"/>
+          </a:xfrm>
+        </p:spPr>
+        <p:txBody>
+          <a:bodyPr/>
+          <a:p>
+            <a:r>
+              <a:rPr lang="en-US" altLang="zh-CN"/>
+              <a:t>LRU </a:t>
+            </a:r>
+            <a:r>
+              <a:rPr lang="zh-CN" altLang="en-US"/>
+              <a:t>工作分解</a:t>
+            </a:r>
+            <a:endParaRPr lang="zh-CN" altLang="en-US"/>
+          </a:p>
+        </p:txBody>
+      </p:sp>
+      <p:sp>
+        <p:nvSpPr>
+          <p:cNvPr id="4" name="矩形 3"/>
+          <p:cNvSpPr/>
+          <p:nvPr/>
+        </p:nvSpPr>
+        <p:spPr>
+          <a:xfrm>
+            <a:off x="1694180" y="1102995"/>
+            <a:ext cx="932815" cy="632460"/>
+          </a:xfrm>
+          <a:prstGeom prst="rect">
+            <a:avLst/>
+          </a:prstGeom>
+        </p:spPr>
+        <p:style>
+          <a:lnRef idx="2">
+            <a:schemeClr val="accent1">
+              <a:shade val="50000"/>
+            </a:schemeClr>
+          </a:lnRef>
+          <a:fillRef idx="1">
+            <a:schemeClr val="accent1"/>
+          </a:fillRef>
+          <a:effectRef idx="0">
+            <a:schemeClr val="accent1"/>
+          </a:effectRef>
+          <a:fontRef idx="minor">
+            <a:schemeClr val="lt1"/>
+          </a:fontRef>
+        </p:style>
+        <p:txBody>
+          <a:bodyPr rtlCol="0" anchor="ctr"/>
+          <a:p>
+            <a:pPr algn="ctr"/>
+            <a:r>
+              <a:rPr lang="en-US" altLang="zh-CN"/>
+              <a:t>head</a:t>
+            </a:r>
+            <a:endParaRPr lang="en-US" altLang="zh-CN"/>
+          </a:p>
+        </p:txBody>
+      </p:sp>
+      <p:sp>
+        <p:nvSpPr>
+          <p:cNvPr id="5" name="矩形 4"/>
+          <p:cNvSpPr/>
+          <p:nvPr/>
+        </p:nvSpPr>
+        <p:spPr>
+          <a:xfrm>
+            <a:off x="4650740" y="1102995"/>
+            <a:ext cx="932815" cy="632460"/>
+          </a:xfrm>
+          <a:prstGeom prst="rect">
+            <a:avLst/>
+          </a:prstGeom>
+        </p:spPr>
+        <p:style>
+          <a:lnRef idx="2">
+            <a:schemeClr val="accent1">
+              <a:shade val="50000"/>
+            </a:schemeClr>
+          </a:lnRef>
+          <a:fillRef idx="1">
+            <a:schemeClr val="accent1"/>
+          </a:fillRef>
+          <a:effectRef idx="0">
+            <a:schemeClr val="accent1"/>
+          </a:effectRef>
+          <a:fontRef idx="minor">
+            <a:schemeClr val="lt1"/>
+          </a:fontRef>
+        </p:style>
+        <p:txBody>
+          <a:bodyPr rtlCol="0" anchor="ctr"/>
+          <a:p>
+            <a:pPr algn="ctr"/>
+            <a:r>
+              <a:rPr lang="en-US" altLang="zh-CN"/>
+              <a:t>end</a:t>
+            </a:r>
+            <a:endParaRPr lang="en-US" altLang="zh-CN"/>
+          </a:p>
+        </p:txBody>
+      </p:sp>
+      <p:sp>
+        <p:nvSpPr>
+          <p:cNvPr id="6" name="矩形 5"/>
+          <p:cNvSpPr/>
+          <p:nvPr/>
+        </p:nvSpPr>
+        <p:spPr>
+          <a:xfrm>
+            <a:off x="1694180" y="2164080"/>
+            <a:ext cx="932815" cy="632460"/>
+          </a:xfrm>
+          <a:prstGeom prst="rect">
+            <a:avLst/>
+          </a:prstGeom>
+        </p:spPr>
+        <p:style>
+          <a:lnRef idx="2">
+            <a:schemeClr val="accent1">
+              <a:shade val="50000"/>
+            </a:schemeClr>
+          </a:lnRef>
+          <a:fillRef idx="1">
+            <a:schemeClr val="accent1"/>
+          </a:fillRef>
+          <a:effectRef idx="0">
+            <a:schemeClr val="accent1"/>
+          </a:effectRef>
+          <a:fontRef idx="minor">
+            <a:schemeClr val="lt1"/>
+          </a:fontRef>
+        </p:style>
+        <p:txBody>
+          <a:bodyPr rtlCol="0" anchor="ctr"/>
+          <a:p>
+            <a:pPr algn="ctr"/>
+            <a:r>
+              <a:rPr lang="en-US" altLang="zh-CN"/>
+              <a:t>head</a:t>
+            </a:r>
+            <a:endParaRPr lang="en-US" altLang="zh-CN"/>
+          </a:p>
+        </p:txBody>
+      </p:sp>
+      <p:cxnSp>
+        <p:nvCxnSpPr>
+          <p:cNvPr id="7" name="直接箭头连接符 6"/>
+          <p:cNvCxnSpPr>
+            <a:stCxn id="4" idx="3"/>
+            <a:endCxn id="5" idx="1"/>
+          </p:cNvCxnSpPr>
+          <p:nvPr/>
+        </p:nvCxnSpPr>
+        <p:spPr>
+          <a:xfrm>
+            <a:off x="2626995" y="1419225"/>
+            <a:ext cx="2023745" cy="0"/>
+          </a:xfrm>
+          <a:prstGeom prst="straightConnector1">
+            <a:avLst/>
+          </a:prstGeom>
+          <a:ln w="50800">
+            <a:tailEnd type="arrow" w="med" len="med"/>
+          </a:ln>
+        </p:spPr>
+        <p:style>
+          <a:lnRef idx="3">
+            <a:schemeClr val="accent2"/>
+          </a:lnRef>
+          <a:fillRef idx="0">
+            <a:schemeClr val="accent2"/>
+          </a:fillRef>
+          <a:effectRef idx="2">
+            <a:schemeClr val="accent2"/>
+          </a:effectRef>
+          <a:fontRef idx="minor">
+            <a:schemeClr val="tx1"/>
+          </a:fontRef>
+        </p:style>
+      </p:cxnSp>
+      <p:sp>
+        <p:nvSpPr>
+          <p:cNvPr id="8" name="文本框 7"/>
+          <p:cNvSpPr txBox="1"/>
+          <p:nvPr/>
+        </p:nvSpPr>
+        <p:spPr>
+          <a:xfrm>
+            <a:off x="173355" y="1102995"/>
+            <a:ext cx="1353820" cy="645160"/>
+          </a:xfrm>
+          <a:prstGeom prst="rect">
+            <a:avLst/>
+          </a:prstGeom>
+          <a:noFill/>
+        </p:spPr>
+        <p:txBody>
+          <a:bodyPr wrap="square" rtlCol="0">
+            <a:spAutoFit/>
+          </a:bodyPr>
+          <a:p>
+            <a:r>
+              <a:rPr lang="zh-CN" altLang="en-US"/>
+              <a:t>开始</a:t>
+            </a:r>
+            <a:endParaRPr lang="zh-CN" altLang="en-US"/>
+          </a:p>
+          <a:p>
+            <a:r>
+              <a:rPr lang="zh-CN" altLang="en-US">
+                <a:solidFill>
+                  <a:srgbClr val="FF0000"/>
+                </a:solidFill>
+              </a:rPr>
+              <a:t>最大长度</a:t>
+            </a:r>
+            <a:r>
+              <a:rPr lang="en-US" altLang="zh-CN">
+                <a:solidFill>
+                  <a:srgbClr val="FF0000"/>
+                </a:solidFill>
+              </a:rPr>
+              <a:t>2</a:t>
+            </a:r>
+            <a:endParaRPr lang="en-US" altLang="zh-CN">
+              <a:solidFill>
+                <a:srgbClr val="FF0000"/>
+              </a:solidFill>
+            </a:endParaRPr>
+          </a:p>
+        </p:txBody>
+      </p:sp>
+      <p:sp>
+        <p:nvSpPr>
+          <p:cNvPr id="9" name="文本框 8"/>
+          <p:cNvSpPr txBox="1"/>
+          <p:nvPr/>
+        </p:nvSpPr>
+        <p:spPr>
+          <a:xfrm>
+            <a:off x="173355" y="2296160"/>
+            <a:ext cx="1353820" cy="368300"/>
+          </a:xfrm>
+          <a:prstGeom prst="rect">
+            <a:avLst/>
+          </a:prstGeom>
+          <a:noFill/>
+        </p:spPr>
+        <p:txBody>
+          <a:bodyPr wrap="square" rtlCol="0">
+            <a:spAutoFit/>
+          </a:bodyPr>
+          <a:p>
+            <a:r>
+              <a:rPr lang="en-US" altLang="zh-CN"/>
+              <a:t>put(1,2)</a:t>
+            </a:r>
+            <a:endParaRPr lang="en-US" altLang="zh-CN"/>
+          </a:p>
+        </p:txBody>
+      </p:sp>
+      <p:sp>
+        <p:nvSpPr>
+          <p:cNvPr id="10" name="矩形 9"/>
+          <p:cNvSpPr/>
+          <p:nvPr/>
+        </p:nvSpPr>
+        <p:spPr>
+          <a:xfrm>
+            <a:off x="4846320" y="2160270"/>
+            <a:ext cx="932815" cy="632460"/>
+          </a:xfrm>
+          <a:prstGeom prst="rect">
+            <a:avLst/>
+          </a:prstGeom>
+        </p:spPr>
+        <p:style>
+          <a:lnRef idx="2">
+            <a:schemeClr val="accent1">
+              <a:shade val="50000"/>
+            </a:schemeClr>
+          </a:lnRef>
+          <a:fillRef idx="1">
+            <a:schemeClr val="accent1"/>
+          </a:fillRef>
+          <a:effectRef idx="0">
+            <a:schemeClr val="accent1"/>
+          </a:effectRef>
+          <a:fontRef idx="minor">
+            <a:schemeClr val="lt1"/>
+          </a:fontRef>
+        </p:style>
+        <p:txBody>
+          <a:bodyPr rtlCol="0" anchor="ctr"/>
+          <a:p>
+            <a:pPr algn="ctr"/>
+            <a:r>
+              <a:rPr lang="en-US" altLang="zh-CN"/>
+              <a:t>end</a:t>
+            </a:r>
+            <a:endParaRPr lang="en-US" altLang="zh-CN"/>
+          </a:p>
+        </p:txBody>
+      </p:sp>
+      <p:cxnSp>
+        <p:nvCxnSpPr>
+          <p:cNvPr id="11" name="直接箭头连接符 10"/>
+          <p:cNvCxnSpPr/>
+          <p:nvPr/>
+        </p:nvCxnSpPr>
+        <p:spPr>
+          <a:xfrm flipV="1">
+            <a:off x="2626995" y="2473325"/>
+            <a:ext cx="722630" cy="6985"/>
+          </a:xfrm>
+          <a:prstGeom prst="straightConnector1">
+            <a:avLst/>
+          </a:prstGeom>
+          <a:ln w="50800">
+            <a:tailEnd type="arrow" w="med" len="med"/>
+          </a:ln>
+        </p:spPr>
+        <p:style>
+          <a:lnRef idx="3">
+            <a:schemeClr val="accent2"/>
+          </a:lnRef>
+          <a:fillRef idx="0">
+            <a:schemeClr val="accent2"/>
+          </a:fillRef>
+          <a:effectRef idx="2">
+            <a:schemeClr val="accent2"/>
+          </a:effectRef>
+          <a:fontRef idx="minor">
+            <a:schemeClr val="tx1"/>
+          </a:fontRef>
+        </p:style>
+      </p:cxnSp>
+      <p:sp>
+        <p:nvSpPr>
+          <p:cNvPr id="12" name="矩形 11"/>
+          <p:cNvSpPr/>
+          <p:nvPr/>
+        </p:nvSpPr>
+        <p:spPr>
+          <a:xfrm>
+            <a:off x="3349625" y="2164080"/>
+            <a:ext cx="932815" cy="632460"/>
+          </a:xfrm>
+          <a:prstGeom prst="rect">
+            <a:avLst/>
+          </a:prstGeom>
+          <a:gradFill>
+            <a:gsLst>
+              <a:gs pos="0">
+                <a:srgbClr val="7B32B2"/>
+              </a:gs>
+              <a:gs pos="100000">
+                <a:srgbClr val="401A5D"/>
+              </a:gs>
+            </a:gsLst>
+            <a:lin ang="5400000" scaled="0"/>
+          </a:gradFill>
+          <a:ln>
+            <a:solidFill>
+              <a:srgbClr val="FF0000"/>
+            </a:solidFill>
+          </a:ln>
+        </p:spPr>
+        <p:style>
+          <a:lnRef idx="2">
+            <a:schemeClr val="accent1">
+              <a:shade val="50000"/>
+            </a:schemeClr>
+          </a:lnRef>
+          <a:fillRef idx="1">
+            <a:schemeClr val="accent1"/>
+          </a:fillRef>
+          <a:effectRef idx="0">
+            <a:schemeClr val="accent1"/>
+          </a:effectRef>
+          <a:fontRef idx="minor">
+            <a:schemeClr val="lt1"/>
+          </a:fontRef>
+        </p:style>
+        <p:txBody>
+          <a:bodyPr rtlCol="0" anchor="ctr"/>
+          <a:p>
+            <a:pPr algn="ctr"/>
+            <a:r>
+              <a:rPr lang="en-US" altLang="zh-CN"/>
+              <a:t>(1,2)</a:t>
+            </a:r>
+            <a:endParaRPr lang="en-US" altLang="zh-CN"/>
+          </a:p>
+        </p:txBody>
+      </p:sp>
+      <p:cxnSp>
+        <p:nvCxnSpPr>
+          <p:cNvPr id="13" name="直接箭头连接符 12"/>
+          <p:cNvCxnSpPr/>
+          <p:nvPr/>
+        </p:nvCxnSpPr>
+        <p:spPr>
+          <a:xfrm>
+            <a:off x="4252595" y="2458085"/>
+            <a:ext cx="587375" cy="15240"/>
+          </a:xfrm>
+          <a:prstGeom prst="straightConnector1">
+            <a:avLst/>
+          </a:prstGeom>
+          <a:ln w="50800">
+            <a:tailEnd type="arrow" w="med" len="med"/>
+          </a:ln>
+        </p:spPr>
+        <p:style>
+          <a:lnRef idx="3">
+            <a:schemeClr val="accent2"/>
+          </a:lnRef>
+          <a:fillRef idx="0">
+            <a:schemeClr val="accent2"/>
+          </a:fillRef>
+          <a:effectRef idx="2">
+            <a:schemeClr val="accent2"/>
+          </a:effectRef>
+          <a:fontRef idx="minor">
+            <a:schemeClr val="tx1"/>
+          </a:fontRef>
+        </p:style>
+      </p:cxnSp>
+      <p:sp>
+        <p:nvSpPr>
+          <p:cNvPr id="20" name="矩形 19"/>
+          <p:cNvSpPr/>
+          <p:nvPr/>
+        </p:nvSpPr>
+        <p:spPr>
+          <a:xfrm>
+            <a:off x="1694180" y="3112770"/>
+            <a:ext cx="932815" cy="632460"/>
+          </a:xfrm>
+          <a:prstGeom prst="rect">
+            <a:avLst/>
+          </a:prstGeom>
+        </p:spPr>
+        <p:style>
+          <a:lnRef idx="2">
+            <a:schemeClr val="accent1">
+              <a:shade val="50000"/>
+            </a:schemeClr>
+          </a:lnRef>
+          <a:fillRef idx="1">
+            <a:schemeClr val="accent1"/>
+          </a:fillRef>
+          <a:effectRef idx="0">
+            <a:schemeClr val="accent1"/>
+          </a:effectRef>
+          <a:fontRef idx="minor">
+            <a:schemeClr val="lt1"/>
+          </a:fontRef>
+        </p:style>
+        <p:txBody>
+          <a:bodyPr rtlCol="0" anchor="ctr"/>
+          <a:p>
+            <a:pPr algn="ctr"/>
+            <a:r>
+              <a:rPr lang="en-US" altLang="zh-CN"/>
+              <a:t>head</a:t>
+            </a:r>
+            <a:endParaRPr lang="en-US" altLang="zh-CN"/>
+          </a:p>
+        </p:txBody>
+      </p:sp>
+      <p:sp>
+        <p:nvSpPr>
+          <p:cNvPr id="21" name="文本框 20"/>
+          <p:cNvSpPr txBox="1"/>
+          <p:nvPr/>
+        </p:nvSpPr>
+        <p:spPr>
+          <a:xfrm>
+            <a:off x="173355" y="3244850"/>
+            <a:ext cx="1353820" cy="368300"/>
+          </a:xfrm>
+          <a:prstGeom prst="rect">
+            <a:avLst/>
+          </a:prstGeom>
+          <a:noFill/>
+        </p:spPr>
+        <p:txBody>
+          <a:bodyPr wrap="square" rtlCol="0">
+            <a:spAutoFit/>
+          </a:bodyPr>
+          <a:p>
+            <a:r>
+              <a:rPr lang="en-US" altLang="zh-CN"/>
+              <a:t>put(2,3)</a:t>
+            </a:r>
+            <a:endParaRPr lang="en-US" altLang="zh-CN"/>
+          </a:p>
+        </p:txBody>
+      </p:sp>
+      <p:sp>
+        <p:nvSpPr>
+          <p:cNvPr id="22" name="矩形 21"/>
+          <p:cNvSpPr/>
+          <p:nvPr/>
+        </p:nvSpPr>
+        <p:spPr>
+          <a:xfrm>
+            <a:off x="6467475" y="3108960"/>
+            <a:ext cx="932815" cy="632460"/>
+          </a:xfrm>
+          <a:prstGeom prst="rect">
+            <a:avLst/>
+          </a:prstGeom>
+        </p:spPr>
+        <p:style>
+          <a:lnRef idx="2">
+            <a:schemeClr val="accent1">
+              <a:shade val="50000"/>
+            </a:schemeClr>
+          </a:lnRef>
+          <a:fillRef idx="1">
+            <a:schemeClr val="accent1"/>
+          </a:fillRef>
+          <a:effectRef idx="0">
+            <a:schemeClr val="accent1"/>
+          </a:effectRef>
+          <a:fontRef idx="minor">
+            <a:schemeClr val="lt1"/>
+          </a:fontRef>
+        </p:style>
+        <p:txBody>
+          <a:bodyPr rtlCol="0" anchor="ctr"/>
+          <a:p>
+            <a:pPr algn="ctr"/>
+            <a:r>
+              <a:rPr lang="en-US" altLang="zh-CN"/>
+              <a:t>end</a:t>
+            </a:r>
+            <a:endParaRPr lang="en-US" altLang="zh-CN"/>
+          </a:p>
+        </p:txBody>
+      </p:sp>
+      <p:cxnSp>
+        <p:nvCxnSpPr>
+          <p:cNvPr id="23" name="直接箭头连接符 22"/>
+          <p:cNvCxnSpPr/>
+          <p:nvPr/>
+        </p:nvCxnSpPr>
+        <p:spPr>
+          <a:xfrm flipV="1">
+            <a:off x="2626995" y="3422015"/>
+            <a:ext cx="722630" cy="6985"/>
+          </a:xfrm>
+          <a:prstGeom prst="straightConnector1">
+            <a:avLst/>
+          </a:prstGeom>
+          <a:ln w="50800">
+            <a:tailEnd type="arrow" w="med" len="med"/>
+          </a:ln>
+        </p:spPr>
+        <p:style>
+          <a:lnRef idx="3">
+            <a:schemeClr val="accent2"/>
+          </a:lnRef>
+          <a:fillRef idx="0">
+            <a:schemeClr val="accent2"/>
+          </a:fillRef>
+          <a:effectRef idx="2">
+            <a:schemeClr val="accent2"/>
+          </a:effectRef>
+          <a:fontRef idx="minor">
+            <a:schemeClr val="tx1"/>
+          </a:fontRef>
+        </p:style>
+      </p:cxnSp>
+      <p:sp>
+        <p:nvSpPr>
+          <p:cNvPr id="24" name="矩形 23"/>
+          <p:cNvSpPr/>
+          <p:nvPr/>
+        </p:nvSpPr>
+        <p:spPr>
+          <a:xfrm>
+            <a:off x="4970780" y="3112770"/>
+            <a:ext cx="932815" cy="632460"/>
+          </a:xfrm>
+          <a:prstGeom prst="rect">
+            <a:avLst/>
+          </a:prstGeom>
+          <a:gradFill>
+            <a:gsLst>
+              <a:gs pos="0">
+                <a:srgbClr val="7B32B2"/>
+              </a:gs>
+              <a:gs pos="100000">
+                <a:srgbClr val="401A5D"/>
+              </a:gs>
+            </a:gsLst>
+            <a:lin ang="5400000" scaled="0"/>
+          </a:gradFill>
+          <a:ln>
+            <a:solidFill>
+              <a:srgbClr val="FF0000"/>
+            </a:solidFill>
+          </a:ln>
+        </p:spPr>
+        <p:style>
+          <a:lnRef idx="2">
+            <a:schemeClr val="accent1">
+              <a:shade val="50000"/>
+            </a:schemeClr>
+          </a:lnRef>
+          <a:fillRef idx="1">
+            <a:schemeClr val="accent1"/>
+          </a:fillRef>
+          <a:effectRef idx="0">
+            <a:schemeClr val="accent1"/>
+          </a:effectRef>
+          <a:fontRef idx="minor">
+            <a:schemeClr val="lt1"/>
+          </a:fontRef>
+        </p:style>
+        <p:txBody>
+          <a:bodyPr rtlCol="0" anchor="ctr"/>
+          <a:p>
+            <a:pPr algn="ctr"/>
+            <a:r>
+              <a:rPr lang="en-US" altLang="zh-CN"/>
+              <a:t>(1,2)</a:t>
+            </a:r>
+            <a:endParaRPr lang="en-US" altLang="zh-CN"/>
+          </a:p>
+        </p:txBody>
+      </p:sp>
+      <p:cxnSp>
+        <p:nvCxnSpPr>
+          <p:cNvPr id="25" name="直接箭头连接符 24"/>
+          <p:cNvCxnSpPr/>
+          <p:nvPr/>
+        </p:nvCxnSpPr>
+        <p:spPr>
+          <a:xfrm>
+            <a:off x="5873750" y="3406775"/>
+            <a:ext cx="587375" cy="15240"/>
+          </a:xfrm>
+          <a:prstGeom prst="straightConnector1">
+            <a:avLst/>
+          </a:prstGeom>
+          <a:ln w="50800">
+            <a:tailEnd type="arrow" w="med" len="med"/>
+          </a:ln>
+        </p:spPr>
+        <p:style>
+          <a:lnRef idx="3">
+            <a:schemeClr val="accent2"/>
+          </a:lnRef>
+          <a:fillRef idx="0">
+            <a:schemeClr val="accent2"/>
+          </a:fillRef>
+          <a:effectRef idx="2">
+            <a:schemeClr val="accent2"/>
+          </a:effectRef>
+          <a:fontRef idx="minor">
+            <a:schemeClr val="tx1"/>
+          </a:fontRef>
+        </p:style>
+      </p:cxnSp>
+      <p:sp>
+        <p:nvSpPr>
+          <p:cNvPr id="26" name="矩形 25"/>
+          <p:cNvSpPr/>
+          <p:nvPr/>
+        </p:nvSpPr>
+        <p:spPr>
+          <a:xfrm>
+            <a:off x="3355975" y="3108960"/>
+            <a:ext cx="932815" cy="632460"/>
+          </a:xfrm>
+          <a:prstGeom prst="rect">
+            <a:avLst/>
+          </a:prstGeom>
+          <a:gradFill>
+            <a:gsLst>
+              <a:gs pos="0">
+                <a:srgbClr val="7B32B2"/>
+              </a:gs>
+              <a:gs pos="100000">
+                <a:srgbClr val="401A5D"/>
+              </a:gs>
+            </a:gsLst>
+            <a:lin ang="5400000" scaled="0"/>
+          </a:gradFill>
+          <a:ln>
+            <a:solidFill>
+              <a:srgbClr val="FF0000"/>
+            </a:solidFill>
+          </a:ln>
+        </p:spPr>
+        <p:style>
+          <a:lnRef idx="2">
+            <a:schemeClr val="accent1">
+              <a:shade val="50000"/>
+            </a:schemeClr>
+          </a:lnRef>
+          <a:fillRef idx="1">
+            <a:schemeClr val="accent1"/>
+          </a:fillRef>
+          <a:effectRef idx="0">
+            <a:schemeClr val="accent1"/>
+          </a:effectRef>
+          <a:fontRef idx="minor">
+            <a:schemeClr val="lt1"/>
+          </a:fontRef>
+        </p:style>
+        <p:txBody>
+          <a:bodyPr rtlCol="0" anchor="ctr"/>
+          <a:p>
+            <a:pPr algn="ctr"/>
+            <a:r>
+              <a:rPr lang="en-US" altLang="zh-CN"/>
+              <a:t>(2,3)</a:t>
+            </a:r>
+            <a:endParaRPr lang="en-US" altLang="zh-CN"/>
+          </a:p>
+        </p:txBody>
+      </p:sp>
+      <p:cxnSp>
+        <p:nvCxnSpPr>
+          <p:cNvPr id="27" name="直接箭头连接符 26"/>
+          <p:cNvCxnSpPr>
+            <a:stCxn id="26" idx="3"/>
+          </p:cNvCxnSpPr>
+          <p:nvPr/>
+        </p:nvCxnSpPr>
+        <p:spPr>
+          <a:xfrm>
+            <a:off x="4288790" y="3425190"/>
+            <a:ext cx="681990" cy="19050"/>
+          </a:xfrm>
+          <a:prstGeom prst="straightConnector1">
+            <a:avLst/>
+          </a:prstGeom>
+          <a:ln w="50800">
+            <a:tailEnd type="arrow" w="med" len="med"/>
+          </a:ln>
+        </p:spPr>
+        <p:style>
+          <a:lnRef idx="3">
+            <a:schemeClr val="accent2"/>
+          </a:lnRef>
+          <a:fillRef idx="0">
+            <a:schemeClr val="accent2"/>
+          </a:fillRef>
+          <a:effectRef idx="2">
+            <a:schemeClr val="accent2"/>
+          </a:effectRef>
+          <a:fontRef idx="minor">
+            <a:schemeClr val="tx1"/>
+          </a:fontRef>
+        </p:style>
+      </p:cxnSp>
+      <p:sp>
+        <p:nvSpPr>
+          <p:cNvPr id="28" name="文本框 27"/>
+          <p:cNvSpPr txBox="1"/>
+          <p:nvPr/>
+        </p:nvSpPr>
+        <p:spPr>
+          <a:xfrm>
+            <a:off x="293370" y="4010660"/>
+            <a:ext cx="1353820" cy="368300"/>
+          </a:xfrm>
+          <a:prstGeom prst="rect">
+            <a:avLst/>
+          </a:prstGeom>
+          <a:noFill/>
+        </p:spPr>
+        <p:txBody>
+          <a:bodyPr wrap="square" rtlCol="0">
+            <a:spAutoFit/>
+          </a:bodyPr>
+          <a:p>
+            <a:r>
+              <a:rPr lang="en-US" altLang="zh-CN"/>
+              <a:t>get(1)</a:t>
+            </a:r>
+            <a:endParaRPr lang="en-US" altLang="zh-CN"/>
+          </a:p>
+        </p:txBody>
+      </p:sp>
+      <p:sp>
+        <p:nvSpPr>
+          <p:cNvPr id="29" name="矩形 28"/>
+          <p:cNvSpPr/>
+          <p:nvPr/>
+        </p:nvSpPr>
+        <p:spPr>
+          <a:xfrm>
+            <a:off x="1689735" y="4010660"/>
+            <a:ext cx="932815" cy="632460"/>
+          </a:xfrm>
+          <a:prstGeom prst="rect">
+            <a:avLst/>
+          </a:prstGeom>
+        </p:spPr>
+        <p:style>
+          <a:lnRef idx="2">
+            <a:schemeClr val="accent1">
+              <a:shade val="50000"/>
+            </a:schemeClr>
+          </a:lnRef>
+          <a:fillRef idx="1">
+            <a:schemeClr val="accent1"/>
+          </a:fillRef>
+          <a:effectRef idx="0">
+            <a:schemeClr val="accent1"/>
+          </a:effectRef>
+          <a:fontRef idx="minor">
+            <a:schemeClr val="lt1"/>
+          </a:fontRef>
+        </p:style>
+        <p:txBody>
+          <a:bodyPr rtlCol="0" anchor="ctr"/>
+          <a:p>
+            <a:pPr algn="ctr"/>
+            <a:r>
+              <a:rPr lang="en-US" altLang="zh-CN"/>
+              <a:t>head</a:t>
+            </a:r>
+            <a:endParaRPr lang="en-US" altLang="zh-CN"/>
+          </a:p>
+        </p:txBody>
+      </p:sp>
+      <p:sp>
+        <p:nvSpPr>
+          <p:cNvPr id="30" name="矩形 29"/>
+          <p:cNvSpPr/>
+          <p:nvPr/>
+        </p:nvSpPr>
+        <p:spPr>
+          <a:xfrm>
+            <a:off x="6581140" y="4006850"/>
+            <a:ext cx="932815" cy="632460"/>
+          </a:xfrm>
+          <a:prstGeom prst="rect">
+            <a:avLst/>
+          </a:prstGeom>
+        </p:spPr>
+        <p:style>
+          <a:lnRef idx="2">
+            <a:schemeClr val="accent1">
+              <a:shade val="50000"/>
+            </a:schemeClr>
+          </a:lnRef>
+          <a:fillRef idx="1">
+            <a:schemeClr val="accent1"/>
+          </a:fillRef>
+          <a:effectRef idx="0">
+            <a:schemeClr val="accent1"/>
+          </a:effectRef>
+          <a:fontRef idx="minor">
+            <a:schemeClr val="lt1"/>
+          </a:fontRef>
+        </p:style>
+        <p:txBody>
+          <a:bodyPr rtlCol="0" anchor="ctr"/>
+          <a:p>
+            <a:pPr algn="ctr"/>
+            <a:r>
+              <a:rPr lang="en-US" altLang="zh-CN"/>
+              <a:t>end</a:t>
+            </a:r>
+            <a:endParaRPr lang="en-US" altLang="zh-CN"/>
+          </a:p>
+        </p:txBody>
+      </p:sp>
+      <p:cxnSp>
+        <p:nvCxnSpPr>
+          <p:cNvPr id="31" name="直接箭头连接符 30"/>
+          <p:cNvCxnSpPr/>
+          <p:nvPr/>
+        </p:nvCxnSpPr>
+        <p:spPr>
+          <a:xfrm flipV="1">
+            <a:off x="2622550" y="4319905"/>
+            <a:ext cx="722630" cy="6985"/>
+          </a:xfrm>
+          <a:prstGeom prst="straightConnector1">
+            <a:avLst/>
+          </a:prstGeom>
+          <a:ln w="50800">
+            <a:tailEnd type="arrow" w="med" len="med"/>
+          </a:ln>
+        </p:spPr>
+        <p:style>
+          <a:lnRef idx="3">
+            <a:schemeClr val="accent2"/>
+          </a:lnRef>
+          <a:fillRef idx="0">
+            <a:schemeClr val="accent2"/>
+          </a:fillRef>
+          <a:effectRef idx="2">
+            <a:schemeClr val="accent2"/>
+          </a:effectRef>
+          <a:fontRef idx="minor">
+            <a:schemeClr val="tx1"/>
+          </a:fontRef>
+        </p:style>
+      </p:cxnSp>
+      <p:sp>
+        <p:nvSpPr>
+          <p:cNvPr id="32" name="矩形 31"/>
+          <p:cNvSpPr/>
+          <p:nvPr/>
+        </p:nvSpPr>
+        <p:spPr>
+          <a:xfrm>
+            <a:off x="3345180" y="4010660"/>
+            <a:ext cx="932815" cy="632460"/>
+          </a:xfrm>
+          <a:prstGeom prst="rect">
+            <a:avLst/>
+          </a:prstGeom>
+          <a:gradFill>
+            <a:gsLst>
+              <a:gs pos="0">
+                <a:srgbClr val="7B32B2"/>
+              </a:gs>
+              <a:gs pos="100000">
+                <a:srgbClr val="401A5D"/>
+              </a:gs>
+            </a:gsLst>
+            <a:lin ang="5400000" scaled="0"/>
+          </a:gradFill>
+          <a:ln>
+            <a:solidFill>
+              <a:srgbClr val="FF0000"/>
+            </a:solidFill>
+          </a:ln>
+        </p:spPr>
+        <p:style>
+          <a:lnRef idx="2">
+            <a:schemeClr val="accent1">
+              <a:shade val="50000"/>
+            </a:schemeClr>
+          </a:lnRef>
+          <a:fillRef idx="1">
+            <a:schemeClr val="accent1"/>
+          </a:fillRef>
+          <a:effectRef idx="0">
+            <a:schemeClr val="accent1"/>
+          </a:effectRef>
+          <a:fontRef idx="minor">
+            <a:schemeClr val="lt1"/>
+          </a:fontRef>
+        </p:style>
+        <p:txBody>
+          <a:bodyPr rtlCol="0" anchor="ctr"/>
+          <a:p>
+            <a:pPr algn="ctr"/>
+            <a:r>
+              <a:rPr lang="en-US" altLang="zh-CN"/>
+              <a:t>(1,2)</a:t>
+            </a:r>
+            <a:endParaRPr lang="en-US" altLang="zh-CN"/>
+          </a:p>
+        </p:txBody>
+      </p:sp>
+      <p:cxnSp>
+        <p:nvCxnSpPr>
+          <p:cNvPr id="33" name="直接箭头连接符 32"/>
+          <p:cNvCxnSpPr>
+            <a:stCxn id="32" idx="3"/>
+            <a:endCxn id="34" idx="1"/>
+          </p:cNvCxnSpPr>
+          <p:nvPr/>
+        </p:nvCxnSpPr>
+        <p:spPr>
+          <a:xfrm>
+            <a:off x="4277995" y="4326890"/>
+            <a:ext cx="688340" cy="0"/>
+          </a:xfrm>
+          <a:prstGeom prst="straightConnector1">
+            <a:avLst/>
+          </a:prstGeom>
+          <a:ln w="50800">
+            <a:tailEnd type="arrow" w="med" len="med"/>
+          </a:ln>
+        </p:spPr>
+        <p:style>
+          <a:lnRef idx="3">
+            <a:schemeClr val="accent2"/>
+          </a:lnRef>
+          <a:fillRef idx="0">
+            <a:schemeClr val="accent2"/>
+          </a:fillRef>
+          <a:effectRef idx="2">
+            <a:schemeClr val="accent2"/>
+          </a:effectRef>
+          <a:fontRef idx="minor">
+            <a:schemeClr val="tx1"/>
+          </a:fontRef>
+        </p:style>
+      </p:cxnSp>
+      <p:sp>
+        <p:nvSpPr>
+          <p:cNvPr id="34" name="矩形 33"/>
+          <p:cNvSpPr/>
+          <p:nvPr/>
+        </p:nvSpPr>
+        <p:spPr>
+          <a:xfrm>
+            <a:off x="4966335" y="4010660"/>
+            <a:ext cx="932815" cy="632460"/>
+          </a:xfrm>
+          <a:prstGeom prst="rect">
+            <a:avLst/>
+          </a:prstGeom>
+          <a:gradFill>
+            <a:gsLst>
+              <a:gs pos="0">
+                <a:srgbClr val="7B32B2"/>
+              </a:gs>
+              <a:gs pos="100000">
+                <a:srgbClr val="401A5D"/>
+              </a:gs>
+            </a:gsLst>
+            <a:lin ang="5400000" scaled="0"/>
+          </a:gradFill>
+          <a:ln>
+            <a:solidFill>
+              <a:srgbClr val="FF0000"/>
+            </a:solidFill>
+          </a:ln>
+        </p:spPr>
+        <p:style>
+          <a:lnRef idx="2">
+            <a:schemeClr val="accent1">
+              <a:shade val="50000"/>
+            </a:schemeClr>
+          </a:lnRef>
+          <a:fillRef idx="1">
+            <a:schemeClr val="accent1"/>
+          </a:fillRef>
+          <a:effectRef idx="0">
+            <a:schemeClr val="accent1"/>
+          </a:effectRef>
+          <a:fontRef idx="minor">
+            <a:schemeClr val="lt1"/>
+          </a:fontRef>
+        </p:style>
+        <p:txBody>
+          <a:bodyPr rtlCol="0" anchor="ctr"/>
+          <a:p>
+            <a:pPr algn="ctr"/>
+            <a:r>
+              <a:rPr lang="en-US" altLang="zh-CN"/>
+              <a:t>(2,3)</a:t>
+            </a:r>
+            <a:endParaRPr lang="en-US" altLang="zh-CN"/>
+          </a:p>
+        </p:txBody>
+      </p:sp>
+      <p:cxnSp>
+        <p:nvCxnSpPr>
+          <p:cNvPr id="35" name="直接箭头连接符 34"/>
+          <p:cNvCxnSpPr>
+            <a:stCxn id="34" idx="3"/>
+          </p:cNvCxnSpPr>
+          <p:nvPr/>
+        </p:nvCxnSpPr>
+        <p:spPr>
+          <a:xfrm>
+            <a:off x="5899150" y="4326890"/>
+            <a:ext cx="681990" cy="19050"/>
+          </a:xfrm>
+          <a:prstGeom prst="straightConnector1">
+            <a:avLst/>
+          </a:prstGeom>
+          <a:ln w="50800">
+            <a:tailEnd type="arrow" w="med" len="med"/>
+          </a:ln>
+        </p:spPr>
+        <p:style>
+          <a:lnRef idx="3">
+            <a:schemeClr val="accent2"/>
+          </a:lnRef>
+          <a:fillRef idx="0">
+            <a:schemeClr val="accent2"/>
+          </a:fillRef>
+          <a:effectRef idx="2">
+            <a:schemeClr val="accent2"/>
+          </a:effectRef>
+          <a:fontRef idx="minor">
+            <a:schemeClr val="tx1"/>
+          </a:fontRef>
+        </p:style>
+      </p:cxnSp>
+      <p:sp>
+        <p:nvSpPr>
+          <p:cNvPr id="44" name="文本框 43"/>
+          <p:cNvSpPr txBox="1"/>
+          <p:nvPr/>
+        </p:nvSpPr>
+        <p:spPr>
+          <a:xfrm>
+            <a:off x="267970" y="4995545"/>
+            <a:ext cx="1353820" cy="368300"/>
+          </a:xfrm>
+          <a:prstGeom prst="rect">
+            <a:avLst/>
+          </a:prstGeom>
+          <a:noFill/>
+        </p:spPr>
+        <p:txBody>
+          <a:bodyPr wrap="square" rtlCol="0">
+            <a:spAutoFit/>
+          </a:bodyPr>
+          <a:p>
+            <a:r>
+              <a:rPr lang="en-US" altLang="zh-CN"/>
+              <a:t>put(3,4)</a:t>
+            </a:r>
+            <a:endParaRPr lang="en-US" altLang="zh-CN"/>
+          </a:p>
+        </p:txBody>
+      </p:sp>
+      <p:sp>
+        <p:nvSpPr>
+          <p:cNvPr id="45" name="矩形 44"/>
+          <p:cNvSpPr/>
+          <p:nvPr/>
+        </p:nvSpPr>
+        <p:spPr>
+          <a:xfrm>
+            <a:off x="1664335" y="4995545"/>
+            <a:ext cx="932815" cy="632460"/>
+          </a:xfrm>
+          <a:prstGeom prst="rect">
+            <a:avLst/>
+          </a:prstGeom>
+        </p:spPr>
+        <p:style>
+          <a:lnRef idx="2">
+            <a:schemeClr val="accent1">
+              <a:shade val="50000"/>
+            </a:schemeClr>
+          </a:lnRef>
+          <a:fillRef idx="1">
+            <a:schemeClr val="accent1"/>
+          </a:fillRef>
+          <a:effectRef idx="0">
+            <a:schemeClr val="accent1"/>
+          </a:effectRef>
+          <a:fontRef idx="minor">
+            <a:schemeClr val="lt1"/>
+          </a:fontRef>
+        </p:style>
+        <p:txBody>
+          <a:bodyPr rtlCol="0" anchor="ctr"/>
+          <a:p>
+            <a:pPr algn="ctr"/>
+            <a:r>
+              <a:rPr lang="en-US" altLang="zh-CN"/>
+              <a:t>head</a:t>
+            </a:r>
+            <a:endParaRPr lang="en-US" altLang="zh-CN"/>
+          </a:p>
+        </p:txBody>
+      </p:sp>
+      <p:sp>
+        <p:nvSpPr>
+          <p:cNvPr id="46" name="矩形 45"/>
+          <p:cNvSpPr/>
+          <p:nvPr/>
+        </p:nvSpPr>
+        <p:spPr>
+          <a:xfrm>
+            <a:off x="6555740" y="4991735"/>
+            <a:ext cx="932815" cy="632460"/>
+          </a:xfrm>
+          <a:prstGeom prst="rect">
+            <a:avLst/>
+          </a:prstGeom>
+        </p:spPr>
+        <p:style>
+          <a:lnRef idx="2">
+            <a:schemeClr val="accent1">
+              <a:shade val="50000"/>
+            </a:schemeClr>
+          </a:lnRef>
+          <a:fillRef idx="1">
+            <a:schemeClr val="accent1"/>
+          </a:fillRef>
+          <a:effectRef idx="0">
+            <a:schemeClr val="accent1"/>
+          </a:effectRef>
+          <a:fontRef idx="minor">
+            <a:schemeClr val="lt1"/>
+          </a:fontRef>
+        </p:style>
+        <p:txBody>
+          <a:bodyPr rtlCol="0" anchor="ctr"/>
+          <a:p>
+            <a:pPr algn="ctr"/>
+            <a:r>
+              <a:rPr lang="en-US" altLang="zh-CN"/>
+              <a:t>end</a:t>
+            </a:r>
+            <a:endParaRPr lang="en-US" altLang="zh-CN"/>
+          </a:p>
+        </p:txBody>
+      </p:sp>
+      <p:cxnSp>
+        <p:nvCxnSpPr>
+          <p:cNvPr id="47" name="直接箭头连接符 46"/>
+          <p:cNvCxnSpPr/>
+          <p:nvPr/>
+        </p:nvCxnSpPr>
+        <p:spPr>
+          <a:xfrm flipV="1">
+            <a:off x="2597150" y="5304790"/>
+            <a:ext cx="722630" cy="6985"/>
+          </a:xfrm>
+          <a:prstGeom prst="straightConnector1">
+            <a:avLst/>
+          </a:prstGeom>
+          <a:ln w="50800">
+            <a:tailEnd type="arrow" w="med" len="med"/>
+          </a:ln>
+        </p:spPr>
+        <p:style>
+          <a:lnRef idx="3">
+            <a:schemeClr val="accent2"/>
+          </a:lnRef>
+          <a:fillRef idx="0">
+            <a:schemeClr val="accent2"/>
+          </a:fillRef>
+          <a:effectRef idx="2">
+            <a:schemeClr val="accent2"/>
+          </a:effectRef>
+          <a:fontRef idx="minor">
+            <a:schemeClr val="tx1"/>
+          </a:fontRef>
+        </p:style>
+      </p:cxnSp>
+      <p:sp>
+        <p:nvSpPr>
+          <p:cNvPr id="48" name="矩形 47"/>
+          <p:cNvSpPr/>
+          <p:nvPr/>
+        </p:nvSpPr>
+        <p:spPr>
+          <a:xfrm>
+            <a:off x="3319780" y="4995545"/>
+            <a:ext cx="932815" cy="632460"/>
+          </a:xfrm>
+          <a:prstGeom prst="rect">
+            <a:avLst/>
+          </a:prstGeom>
+          <a:gradFill>
+            <a:gsLst>
+              <a:gs pos="0">
+                <a:srgbClr val="7B32B2"/>
+              </a:gs>
+              <a:gs pos="100000">
+                <a:srgbClr val="401A5D"/>
+              </a:gs>
+            </a:gsLst>
+            <a:lin ang="5400000" scaled="0"/>
+          </a:gradFill>
+          <a:ln>
+            <a:solidFill>
+              <a:srgbClr val="FF0000"/>
+            </a:solidFill>
+          </a:ln>
+        </p:spPr>
+        <p:style>
+          <a:lnRef idx="2">
+            <a:schemeClr val="accent1">
+              <a:shade val="50000"/>
+            </a:schemeClr>
+          </a:lnRef>
+          <a:fillRef idx="1">
+            <a:schemeClr val="accent1"/>
+          </a:fillRef>
+          <a:effectRef idx="0">
+            <a:schemeClr val="accent1"/>
+          </a:effectRef>
+          <a:fontRef idx="minor">
+            <a:schemeClr val="lt1"/>
+          </a:fontRef>
+        </p:style>
+        <p:txBody>
+          <a:bodyPr rtlCol="0" anchor="ctr"/>
+          <a:p>
+            <a:pPr algn="ctr"/>
+            <a:r>
+              <a:rPr lang="en-US" altLang="zh-CN"/>
+              <a:t>(3,4)</a:t>
+            </a:r>
+            <a:endParaRPr lang="en-US" altLang="zh-CN"/>
+          </a:p>
+        </p:txBody>
+      </p:sp>
+      <p:cxnSp>
+        <p:nvCxnSpPr>
+          <p:cNvPr id="49" name="直接箭头连接符 48"/>
+          <p:cNvCxnSpPr>
+            <a:stCxn id="48" idx="3"/>
+            <a:endCxn id="50" idx="1"/>
+          </p:cNvCxnSpPr>
+          <p:nvPr/>
+        </p:nvCxnSpPr>
+        <p:spPr>
+          <a:xfrm>
+            <a:off x="4252595" y="5311775"/>
+            <a:ext cx="688340" cy="0"/>
+          </a:xfrm>
+          <a:prstGeom prst="straightConnector1">
+            <a:avLst/>
+          </a:prstGeom>
+          <a:ln w="50800">
+            <a:tailEnd type="arrow" w="med" len="med"/>
+          </a:ln>
+        </p:spPr>
+        <p:style>
+          <a:lnRef idx="3">
+            <a:schemeClr val="accent2"/>
+          </a:lnRef>
+          <a:fillRef idx="0">
+            <a:schemeClr val="accent2"/>
+          </a:fillRef>
+          <a:effectRef idx="2">
+            <a:schemeClr val="accent2"/>
+          </a:effectRef>
+          <a:fontRef idx="minor">
+            <a:schemeClr val="tx1"/>
+          </a:fontRef>
+        </p:style>
+      </p:cxnSp>
+      <p:sp>
+        <p:nvSpPr>
+          <p:cNvPr id="50" name="矩形 49"/>
+          <p:cNvSpPr/>
+          <p:nvPr/>
+        </p:nvSpPr>
+        <p:spPr>
+          <a:xfrm>
+            <a:off x="4940935" y="4995545"/>
+            <a:ext cx="932815" cy="632460"/>
+          </a:xfrm>
+          <a:prstGeom prst="rect">
+            <a:avLst/>
+          </a:prstGeom>
+          <a:gradFill>
+            <a:gsLst>
+              <a:gs pos="0">
+                <a:srgbClr val="7B32B2"/>
+              </a:gs>
+              <a:gs pos="100000">
+                <a:srgbClr val="401A5D"/>
+              </a:gs>
+            </a:gsLst>
+            <a:lin ang="5400000" scaled="0"/>
+          </a:gradFill>
+          <a:ln>
+            <a:solidFill>
+              <a:srgbClr val="FF0000"/>
+            </a:solidFill>
+          </a:ln>
+        </p:spPr>
+        <p:style>
+          <a:lnRef idx="2">
+            <a:schemeClr val="accent1">
+              <a:shade val="50000"/>
+            </a:schemeClr>
+          </a:lnRef>
+          <a:fillRef idx="1">
+            <a:schemeClr val="accent1"/>
+          </a:fillRef>
+          <a:effectRef idx="0">
+            <a:schemeClr val="accent1"/>
+          </a:effectRef>
+          <a:fontRef idx="minor">
+            <a:schemeClr val="lt1"/>
+          </a:fontRef>
+        </p:style>
+        <p:txBody>
+          <a:bodyPr rtlCol="0" anchor="ctr"/>
+          <a:p>
+            <a:pPr algn="ctr"/>
+            <a:r>
+              <a:rPr lang="en-US" altLang="zh-CN"/>
+              <a:t>(1,2)</a:t>
+            </a:r>
+            <a:endParaRPr lang="en-US" altLang="zh-CN"/>
+          </a:p>
+        </p:txBody>
+      </p:sp>
+      <p:cxnSp>
+        <p:nvCxnSpPr>
+          <p:cNvPr id="51" name="直接箭头连接符 50"/>
+          <p:cNvCxnSpPr>
+            <a:stCxn id="50" idx="3"/>
+          </p:cNvCxnSpPr>
+          <p:nvPr/>
+        </p:nvCxnSpPr>
+        <p:spPr>
+          <a:xfrm>
+            <a:off x="5873750" y="5311775"/>
+            <a:ext cx="681990" cy="19050"/>
+          </a:xfrm>
+          <a:prstGeom prst="straightConnector1">
+            <a:avLst/>
+          </a:prstGeom>
+          <a:ln w="50800">
+            <a:tailEnd type="arrow" w="med" len="med"/>
+          </a:ln>
+        </p:spPr>
+        <p:style>
+          <a:lnRef idx="3">
+            <a:schemeClr val="accent2"/>
+          </a:lnRef>
+          <a:fillRef idx="0">
+            <a:schemeClr val="accent2"/>
+          </a:fillRef>
+          <a:effectRef idx="2">
+            <a:schemeClr val="accent2"/>
+          </a:effectRef>
+          <a:fontRef idx="minor">
+            <a:schemeClr val="tx1"/>
+          </a:fontRef>
+        </p:style>
+      </p:cxnSp>
+      <p:sp>
+        <p:nvSpPr>
+          <p:cNvPr id="52" name="文本框 51"/>
+          <p:cNvSpPr txBox="1"/>
+          <p:nvPr/>
+        </p:nvSpPr>
+        <p:spPr>
+          <a:xfrm>
+            <a:off x="225425" y="5892165"/>
+            <a:ext cx="1353820" cy="368300"/>
+          </a:xfrm>
+          <a:prstGeom prst="rect">
+            <a:avLst/>
+          </a:prstGeom>
+          <a:noFill/>
+        </p:spPr>
+        <p:txBody>
+          <a:bodyPr wrap="square" rtlCol="0">
+            <a:spAutoFit/>
+          </a:bodyPr>
+          <a:p>
+            <a:r>
+              <a:rPr lang="en-US" altLang="zh-CN"/>
+              <a:t>put(1,5)</a:t>
+            </a:r>
+            <a:endParaRPr lang="en-US" altLang="zh-CN"/>
+          </a:p>
+        </p:txBody>
+      </p:sp>
+      <p:sp>
+        <p:nvSpPr>
+          <p:cNvPr id="53" name="矩形 52"/>
+          <p:cNvSpPr/>
+          <p:nvPr/>
+        </p:nvSpPr>
+        <p:spPr>
+          <a:xfrm>
+            <a:off x="1621790" y="5892165"/>
+            <a:ext cx="932815" cy="632460"/>
+          </a:xfrm>
+          <a:prstGeom prst="rect">
+            <a:avLst/>
+          </a:prstGeom>
+        </p:spPr>
+        <p:style>
+          <a:lnRef idx="2">
+            <a:schemeClr val="accent1">
+              <a:shade val="50000"/>
+            </a:schemeClr>
+          </a:lnRef>
+          <a:fillRef idx="1">
+            <a:schemeClr val="accent1"/>
+          </a:fillRef>
+          <a:effectRef idx="0">
+            <a:schemeClr val="accent1"/>
+          </a:effectRef>
+          <a:fontRef idx="minor">
+            <a:schemeClr val="lt1"/>
+          </a:fontRef>
+        </p:style>
+        <p:txBody>
+          <a:bodyPr rtlCol="0" anchor="ctr"/>
+          <a:p>
+            <a:pPr algn="ctr"/>
+            <a:r>
+              <a:rPr lang="en-US" altLang="zh-CN"/>
+              <a:t>head</a:t>
+            </a:r>
+            <a:endParaRPr lang="en-US" altLang="zh-CN"/>
+          </a:p>
+        </p:txBody>
+      </p:sp>
+      <p:sp>
+        <p:nvSpPr>
+          <p:cNvPr id="54" name="矩形 53"/>
+          <p:cNvSpPr/>
+          <p:nvPr/>
+        </p:nvSpPr>
+        <p:spPr>
+          <a:xfrm>
+            <a:off x="6513195" y="5888355"/>
+            <a:ext cx="932815" cy="632460"/>
+          </a:xfrm>
+          <a:prstGeom prst="rect">
+            <a:avLst/>
+          </a:prstGeom>
+        </p:spPr>
+        <p:style>
+          <a:lnRef idx="2">
+            <a:schemeClr val="accent1">
+              <a:shade val="50000"/>
+            </a:schemeClr>
+          </a:lnRef>
+          <a:fillRef idx="1">
+            <a:schemeClr val="accent1"/>
+          </a:fillRef>
+          <a:effectRef idx="0">
+            <a:schemeClr val="accent1"/>
+          </a:effectRef>
+          <a:fontRef idx="minor">
+            <a:schemeClr val="lt1"/>
+          </a:fontRef>
+        </p:style>
+        <p:txBody>
+          <a:bodyPr rtlCol="0" anchor="ctr"/>
+          <a:p>
+            <a:pPr algn="ctr"/>
+            <a:r>
+              <a:rPr lang="en-US" altLang="zh-CN"/>
+              <a:t>end</a:t>
+            </a:r>
+            <a:endParaRPr lang="en-US" altLang="zh-CN"/>
+          </a:p>
+        </p:txBody>
+      </p:sp>
+      <p:cxnSp>
+        <p:nvCxnSpPr>
+          <p:cNvPr id="55" name="直接箭头连接符 54"/>
+          <p:cNvCxnSpPr/>
+          <p:nvPr/>
+        </p:nvCxnSpPr>
+        <p:spPr>
+          <a:xfrm flipV="1">
+            <a:off x="2554605" y="6201410"/>
+            <a:ext cx="722630" cy="6985"/>
+          </a:xfrm>
+          <a:prstGeom prst="straightConnector1">
+            <a:avLst/>
+          </a:prstGeom>
+          <a:ln w="50800">
+            <a:tailEnd type="arrow" w="med" len="med"/>
+          </a:ln>
+        </p:spPr>
+        <p:style>
+          <a:lnRef idx="3">
+            <a:schemeClr val="accent2"/>
+          </a:lnRef>
+          <a:fillRef idx="0">
+            <a:schemeClr val="accent2"/>
+          </a:fillRef>
+          <a:effectRef idx="2">
+            <a:schemeClr val="accent2"/>
+          </a:effectRef>
+          <a:fontRef idx="minor">
+            <a:schemeClr val="tx1"/>
+          </a:fontRef>
+        </p:style>
+      </p:cxnSp>
+      <p:sp>
+        <p:nvSpPr>
+          <p:cNvPr id="56" name="矩形 55"/>
+          <p:cNvSpPr/>
+          <p:nvPr/>
+        </p:nvSpPr>
+        <p:spPr>
+          <a:xfrm>
+            <a:off x="3277235" y="5892165"/>
+            <a:ext cx="932815" cy="632460"/>
+          </a:xfrm>
+          <a:prstGeom prst="rect">
+            <a:avLst/>
+          </a:prstGeom>
+          <a:gradFill>
+            <a:gsLst>
+              <a:gs pos="0">
+                <a:srgbClr val="7B32B2"/>
+              </a:gs>
+              <a:gs pos="100000">
+                <a:srgbClr val="401A5D"/>
+              </a:gs>
+            </a:gsLst>
+            <a:lin ang="5400000" scaled="0"/>
+          </a:gradFill>
+          <a:ln>
+            <a:solidFill>
+              <a:srgbClr val="FF0000"/>
+            </a:solidFill>
+          </a:ln>
+        </p:spPr>
+        <p:style>
+          <a:lnRef idx="2">
+            <a:schemeClr val="accent1">
+              <a:shade val="50000"/>
+            </a:schemeClr>
+          </a:lnRef>
+          <a:fillRef idx="1">
+            <a:schemeClr val="accent1"/>
+          </a:fillRef>
+          <a:effectRef idx="0">
+            <a:schemeClr val="accent1"/>
+          </a:effectRef>
+          <a:fontRef idx="minor">
+            <a:schemeClr val="lt1"/>
+          </a:fontRef>
+        </p:style>
+        <p:txBody>
+          <a:bodyPr rtlCol="0" anchor="ctr"/>
+          <a:p>
+            <a:pPr algn="ctr"/>
+            <a:r>
+              <a:rPr lang="en-US" altLang="zh-CN"/>
+              <a:t>(1,5)</a:t>
+            </a:r>
+            <a:endParaRPr lang="en-US" altLang="zh-CN"/>
+          </a:p>
+        </p:txBody>
+      </p:sp>
+      <p:cxnSp>
+        <p:nvCxnSpPr>
+          <p:cNvPr id="57" name="直接箭头连接符 56"/>
+          <p:cNvCxnSpPr>
+            <a:stCxn id="56" idx="3"/>
+            <a:endCxn id="58" idx="1"/>
+          </p:cNvCxnSpPr>
+          <p:nvPr/>
+        </p:nvCxnSpPr>
+        <p:spPr>
+          <a:xfrm>
+            <a:off x="4210050" y="6208395"/>
+            <a:ext cx="688340" cy="0"/>
+          </a:xfrm>
+          <a:prstGeom prst="straightConnector1">
+            <a:avLst/>
+          </a:prstGeom>
+          <a:ln w="50800">
+            <a:tailEnd type="arrow" w="med" len="med"/>
+          </a:ln>
+        </p:spPr>
+        <p:style>
+          <a:lnRef idx="3">
+            <a:schemeClr val="accent2"/>
+          </a:lnRef>
+          <a:fillRef idx="0">
+            <a:schemeClr val="accent2"/>
+          </a:fillRef>
+          <a:effectRef idx="2">
+            <a:schemeClr val="accent2"/>
+          </a:effectRef>
+          <a:fontRef idx="minor">
+            <a:schemeClr val="tx1"/>
+          </a:fontRef>
+        </p:style>
+      </p:cxnSp>
+      <p:sp>
+        <p:nvSpPr>
+          <p:cNvPr id="58" name="矩形 57"/>
+          <p:cNvSpPr/>
+          <p:nvPr/>
+        </p:nvSpPr>
+        <p:spPr>
+          <a:xfrm>
+            <a:off x="4898390" y="5892165"/>
+            <a:ext cx="932815" cy="632460"/>
+          </a:xfrm>
+          <a:prstGeom prst="rect">
+            <a:avLst/>
+          </a:prstGeom>
+          <a:gradFill>
+            <a:gsLst>
+              <a:gs pos="0">
+                <a:srgbClr val="7B32B2"/>
+              </a:gs>
+              <a:gs pos="100000">
+                <a:srgbClr val="401A5D"/>
+              </a:gs>
+            </a:gsLst>
+            <a:lin ang="5400000" scaled="0"/>
+          </a:gradFill>
+          <a:ln>
+            <a:solidFill>
+              <a:srgbClr val="FF0000"/>
+            </a:solidFill>
+          </a:ln>
+        </p:spPr>
+        <p:style>
+          <a:lnRef idx="2">
+            <a:schemeClr val="accent1">
+              <a:shade val="50000"/>
+            </a:schemeClr>
+          </a:lnRef>
+          <a:fillRef idx="1">
+            <a:schemeClr val="accent1"/>
+          </a:fillRef>
+          <a:effectRef idx="0">
+            <a:schemeClr val="accent1"/>
+          </a:effectRef>
+          <a:fontRef idx="minor">
+            <a:schemeClr val="lt1"/>
+          </a:fontRef>
+        </p:style>
+        <p:txBody>
+          <a:bodyPr rtlCol="0" anchor="ctr"/>
+          <a:p>
+            <a:pPr algn="ctr"/>
+            <a:r>
+              <a:rPr lang="en-US" altLang="zh-CN"/>
+              <a:t>(3,4)</a:t>
+            </a:r>
+            <a:endParaRPr lang="en-US" altLang="zh-CN"/>
+          </a:p>
+        </p:txBody>
+      </p:sp>
+      <p:cxnSp>
+        <p:nvCxnSpPr>
+          <p:cNvPr id="59" name="直接箭头连接符 58"/>
+          <p:cNvCxnSpPr>
+            <a:stCxn id="58" idx="3"/>
+          </p:cNvCxnSpPr>
+          <p:nvPr/>
+        </p:nvCxnSpPr>
+        <p:spPr>
+          <a:xfrm>
+            <a:off x="5831205" y="6208395"/>
+            <a:ext cx="681990" cy="19050"/>
+          </a:xfrm>
+          <a:prstGeom prst="straightConnector1">
+            <a:avLst/>
+          </a:prstGeom>
+          <a:ln w="50800">
+            <a:tailEnd type="arrow" w="med" len="med"/>
+          </a:ln>
+        </p:spPr>
+        <p:style>
+          <a:lnRef idx="3">
+            <a:schemeClr val="accent2"/>
+          </a:lnRef>
+          <a:fillRef idx="0">
+            <a:schemeClr val="accent2"/>
+          </a:fillRef>
+          <a:effectRef idx="2">
+            <a:schemeClr val="accent2"/>
+          </a:effectRef>
+          <a:fontRef idx="minor">
+            <a:schemeClr val="tx1"/>
+          </a:fontRef>
+        </p:style>
+      </p:cxnSp>
     </p:spTree>
   </p:cSld>
   <p:clrMapOvr>
